--- a/Documentation/GGJ 2018 _ Pitch - Transmission Lost.pptx
+++ b/Documentation/GGJ 2018 _ Pitch - Transmission Lost.pptx
@@ -16,20 +16,20 @@
   <p:notesSz cx="6858000" cy="9144000"/>
   <p:embeddedFontLst>
     <p:embeddedFont>
-      <p:font typeface="Average" panose="020B0604020202020204" charset="0"/>
+      <p:font typeface="Oswald"/>
       <p:regular r:id="rId6"/>
-    </p:embeddedFont>
-    <p:embeddedFont>
-      <p:font typeface="Oswald"/>
-      <p:regular r:id="rId7"/>
-      <p:bold r:id="rId8"/>
+      <p:bold r:id="rId7"/>
     </p:embeddedFont>
     <p:embeddedFont>
       <p:font typeface="Roboto" panose="020B0604020202020204" charset="0"/>
-      <p:regular r:id="rId9"/>
-      <p:bold r:id="rId10"/>
-      <p:italic r:id="rId11"/>
-      <p:boldItalic r:id="rId12"/>
+      <p:regular r:id="rId8"/>
+      <p:bold r:id="rId9"/>
+      <p:italic r:id="rId10"/>
+      <p:boldItalic r:id="rId11"/>
+    </p:embeddedFont>
+    <p:embeddedFont>
+      <p:font typeface="Average" panose="020B0604020202020204" charset="0"/>
+      <p:regular r:id="rId12"/>
     </p:embeddedFont>
   </p:embeddedFontLst>
   <p:defaultTextStyle>
@@ -5396,15 +5396,7 @@
                   <a:srgbClr val="FFFFFF"/>
                 </a:solidFill>
               </a:rPr>
-              <a:t>Transmission </a:t>
-            </a:r>
-            <a:r>
-              <a:rPr lang="en-US" sz="4800" dirty="0" smtClean="0">
-                <a:solidFill>
-                  <a:srgbClr val="FFFFFF"/>
-                </a:solidFill>
-              </a:rPr>
-              <a:t>Lost</a:t>
+              <a:t>Transmission Lost</a:t>
             </a:r>
             <a:endParaRPr sz="4800" dirty="0">
               <a:solidFill>
@@ -6073,8 +6065,8 @@
         </p:nvSpPr>
         <p:spPr>
           <a:xfrm>
-            <a:off x="311700" y="1825500"/>
-            <a:ext cx="8520600" cy="994500"/>
+            <a:off x="311700" y="1825499"/>
+            <a:ext cx="8520600" cy="1224775"/>
           </a:xfrm>
           <a:prstGeom prst="rect">
             <a:avLst/>
@@ -6254,16 +6246,46 @@
                 <a:cs typeface="Roboto"/>
                 <a:sym typeface="Roboto"/>
               </a:rPr>
-              <a:t>wannabe </a:t>
+              <a:t>wannabe unity </a:t>
             </a:r>
             <a:r>
-              <a:rPr lang="en-US" smtClean="0">
+              <a:rPr lang="en-US" dirty="0" smtClean="0">
                 <a:latin typeface="Roboto"/>
                 <a:ea typeface="Roboto"/>
                 <a:cs typeface="Roboto"/>
                 <a:sym typeface="Roboto"/>
               </a:rPr>
-              <a:t>unity developer</a:t>
+              <a:t>developer</a:t>
+            </a:r>
+          </a:p>
+          <a:p>
+            <a:pPr marL="457200" lvl="0" indent="-317500" rtl="0">
+              <a:spcBef>
+                <a:spcPts val="0"/>
+              </a:spcBef>
+              <a:spcAft>
+                <a:spcPts val="0"/>
+              </a:spcAft>
+              <a:buSzPts val="1400"/>
+              <a:buChar char="●"/>
+            </a:pPr>
+            <a:r>
+              <a:rPr lang="en-US" b="1" dirty="0" err="1" smtClean="0">
+                <a:latin typeface="Roboto"/>
+                <a:ea typeface="Roboto"/>
+                <a:cs typeface="Roboto"/>
+                <a:sym typeface="Roboto"/>
+              </a:rPr>
+              <a:t>Dranya</a:t>
+            </a:r>
+            <a:r>
+              <a:rPr lang="en-US" dirty="0" smtClean="0">
+                <a:latin typeface="Roboto"/>
+                <a:ea typeface="Roboto"/>
+                <a:cs typeface="Roboto"/>
+                <a:sym typeface="Roboto"/>
+              </a:rPr>
+              <a:t>, artist</a:t>
             </a:r>
             <a:endParaRPr lang="en-US" dirty="0" smtClean="0">
               <a:latin typeface="Roboto"/>
